--- a/demo_ppt.pptx
+++ b/demo_ppt.pptx
@@ -7,6 +7,10 @@
   <p:sldIdLst>
     <p:sldId id="256" r:id="rId2"/>
     <p:sldId id="257" r:id="rId3"/>
+    <p:sldId id="258" r:id="rId4"/>
+    <p:sldId id="259" r:id="rId5"/>
+    <p:sldId id="260" r:id="rId6"/>
+    <p:sldId id="261" r:id="rId7"/>
   </p:sldIdLst>
   <p:sldSz cx="12192000" cy="6858000"/>
   <p:notesSz cx="6858000" cy="9144000"/>
@@ -105,6 +109,11 @@
       </a:defRPr>
     </a:lvl9pPr>
   </p:defaultTextStyle>
+  <p:extLst>
+    <p:ext uri="{EFAFB233-063F-42B5-8137-9DF3F51BA10A}">
+      <p15:sldGuideLst xmlns:p15="http://schemas.microsoft.com/office/powerpoint/2012/main"/>
+    </p:ext>
+  </p:extLst>
 </p:presentation>
 </file>
 
@@ -239,7 +248,7 @@
           <a:p>
             <a:fld id="{F2C5C521-50C8-484D-84F7-773F344E0F36}" type="datetimeFigureOut">
               <a:rPr lang="zh-TW" altLang="en-US" smtClean="0"/>
-              <a:t>2017/4/24</a:t>
+              <a:t>2017/4/25</a:t>
             </a:fld>
             <a:endParaRPr lang="zh-TW" altLang="en-US"/>
           </a:p>
@@ -409,7 +418,7 @@
           <a:p>
             <a:fld id="{F2C5C521-50C8-484D-84F7-773F344E0F36}" type="datetimeFigureOut">
               <a:rPr lang="zh-TW" altLang="en-US" smtClean="0"/>
-              <a:t>2017/4/24</a:t>
+              <a:t>2017/4/25</a:t>
             </a:fld>
             <a:endParaRPr lang="zh-TW" altLang="en-US"/>
           </a:p>
@@ -589,7 +598,7 @@
           <a:p>
             <a:fld id="{F2C5C521-50C8-484D-84F7-773F344E0F36}" type="datetimeFigureOut">
               <a:rPr lang="zh-TW" altLang="en-US" smtClean="0"/>
-              <a:t>2017/4/24</a:t>
+              <a:t>2017/4/25</a:t>
             </a:fld>
             <a:endParaRPr lang="zh-TW" altLang="en-US"/>
           </a:p>
@@ -759,7 +768,7 @@
           <a:p>
             <a:fld id="{F2C5C521-50C8-484D-84F7-773F344E0F36}" type="datetimeFigureOut">
               <a:rPr lang="zh-TW" altLang="en-US" smtClean="0"/>
-              <a:t>2017/4/24</a:t>
+              <a:t>2017/4/25</a:t>
             </a:fld>
             <a:endParaRPr lang="zh-TW" altLang="en-US"/>
           </a:p>
@@ -1005,7 +1014,7 @@
           <a:p>
             <a:fld id="{F2C5C521-50C8-484D-84F7-773F344E0F36}" type="datetimeFigureOut">
               <a:rPr lang="zh-TW" altLang="en-US" smtClean="0"/>
-              <a:t>2017/4/24</a:t>
+              <a:t>2017/4/25</a:t>
             </a:fld>
             <a:endParaRPr lang="zh-TW" altLang="en-US"/>
           </a:p>
@@ -1237,7 +1246,7 @@
           <a:p>
             <a:fld id="{F2C5C521-50C8-484D-84F7-773F344E0F36}" type="datetimeFigureOut">
               <a:rPr lang="zh-TW" altLang="en-US" smtClean="0"/>
-              <a:t>2017/4/24</a:t>
+              <a:t>2017/4/25</a:t>
             </a:fld>
             <a:endParaRPr lang="zh-TW" altLang="en-US"/>
           </a:p>
@@ -1604,7 +1613,7 @@
           <a:p>
             <a:fld id="{F2C5C521-50C8-484D-84F7-773F344E0F36}" type="datetimeFigureOut">
               <a:rPr lang="zh-TW" altLang="en-US" smtClean="0"/>
-              <a:t>2017/4/24</a:t>
+              <a:t>2017/4/25</a:t>
             </a:fld>
             <a:endParaRPr lang="zh-TW" altLang="en-US"/>
           </a:p>
@@ -1722,7 +1731,7 @@
           <a:p>
             <a:fld id="{F2C5C521-50C8-484D-84F7-773F344E0F36}" type="datetimeFigureOut">
               <a:rPr lang="zh-TW" altLang="en-US" smtClean="0"/>
-              <a:t>2017/4/24</a:t>
+              <a:t>2017/4/25</a:t>
             </a:fld>
             <a:endParaRPr lang="zh-TW" altLang="en-US"/>
           </a:p>
@@ -1817,7 +1826,7 @@
           <a:p>
             <a:fld id="{F2C5C521-50C8-484D-84F7-773F344E0F36}" type="datetimeFigureOut">
               <a:rPr lang="zh-TW" altLang="en-US" smtClean="0"/>
-              <a:t>2017/4/24</a:t>
+              <a:t>2017/4/25</a:t>
             </a:fld>
             <a:endParaRPr lang="zh-TW" altLang="en-US"/>
           </a:p>
@@ -2094,7 +2103,7 @@
           <a:p>
             <a:fld id="{F2C5C521-50C8-484D-84F7-773F344E0F36}" type="datetimeFigureOut">
               <a:rPr lang="zh-TW" altLang="en-US" smtClean="0"/>
-              <a:t>2017/4/24</a:t>
+              <a:t>2017/4/25</a:t>
             </a:fld>
             <a:endParaRPr lang="zh-TW" altLang="en-US"/>
           </a:p>
@@ -2347,7 +2356,7 @@
           <a:p>
             <a:fld id="{F2C5C521-50C8-484D-84F7-773F344E0F36}" type="datetimeFigureOut">
               <a:rPr lang="zh-TW" altLang="en-US" smtClean="0"/>
-              <a:t>2017/4/24</a:t>
+              <a:t>2017/4/25</a:t>
             </a:fld>
             <a:endParaRPr lang="zh-TW" altLang="en-US"/>
           </a:p>
@@ -2560,7 +2569,7 @@
           <a:p>
             <a:fld id="{F2C5C521-50C8-484D-84F7-773F344E0F36}" type="datetimeFigureOut">
               <a:rPr lang="zh-TW" altLang="en-US" smtClean="0"/>
-              <a:t>2017/4/24</a:t>
+              <a:t>2017/4/25</a:t>
             </a:fld>
             <a:endParaRPr lang="zh-TW" altLang="en-US"/>
           </a:p>
@@ -2951,6 +2960,26 @@
 <file path=ppt/slides/slide1.xml><?xml version="1.0" encoding="utf-8"?>
 <p:sld xmlns:a="http://schemas.openxmlformats.org/drawingml/2006/main" xmlns:r="http://schemas.openxmlformats.org/officeDocument/2006/relationships" xmlns:p="http://schemas.openxmlformats.org/presentationml/2006/main">
   <p:cSld>
+    <p:bg>
+      <p:bgPr>
+        <a:gradFill flip="none" rotWithShape="1">
+          <a:gsLst>
+            <a:gs pos="100000">
+              <a:schemeClr val="tx1">
+                <a:lumMod val="75000"/>
+                <a:lumOff val="25000"/>
+              </a:schemeClr>
+            </a:gs>
+            <a:gs pos="76000">
+              <a:schemeClr val="tx1"/>
+            </a:gs>
+          </a:gsLst>
+          <a:lin ang="5400000" scaled="1"/>
+          <a:tileRect/>
+        </a:gradFill>
+        <a:effectLst/>
+      </p:bgPr>
+    </p:bg>
     <p:spTree>
       <p:nvGrpSpPr>
         <p:cNvPr id="1" name=""/>
@@ -2965,6 +2994,79 @@
           <a:chExt cx="0" cy="0"/>
         </a:xfrm>
       </p:grpSpPr>
+      <p:pic>
+        <p:nvPicPr>
+          <p:cNvPr id="5" name="圖片 4"/>
+          <p:cNvPicPr>
+            <a:picLocks noChangeAspect="1"/>
+          </p:cNvPicPr>
+          <p:nvPr/>
+        </p:nvPicPr>
+        <p:blipFill>
+          <a:blip r:embed="rId2">
+            <a:extLst>
+              <a:ext uri="{28A0092B-C50C-407E-A947-70E740481C1C}">
+                <a14:useLocalDpi xmlns:a14="http://schemas.microsoft.com/office/drawing/2010/main" val="0"/>
+              </a:ext>
+            </a:extLst>
+          </a:blip>
+          <a:stretch>
+            <a:fillRect/>
+          </a:stretch>
+        </p:blipFill>
+        <p:spPr>
+          <a:xfrm>
+            <a:off x="0" y="0"/>
+            <a:ext cx="12192000" cy="5515583"/>
+          </a:xfrm>
+          <a:prstGeom prst="rect">
+            <a:avLst/>
+          </a:prstGeom>
+        </p:spPr>
+      </p:pic>
+      <p:sp>
+        <p:nvSpPr>
+          <p:cNvPr id="6" name="矩形 5"/>
+          <p:cNvSpPr/>
+          <p:nvPr/>
+        </p:nvSpPr>
+        <p:spPr>
+          <a:xfrm>
+            <a:off x="1524000" y="4939051"/>
+            <a:ext cx="4387175" cy="1245140"/>
+          </a:xfrm>
+          <a:prstGeom prst="rect">
+            <a:avLst/>
+          </a:prstGeom>
+          <a:solidFill>
+            <a:schemeClr val="accent1"/>
+          </a:solidFill>
+        </p:spPr>
+        <p:style>
+          <a:lnRef idx="2">
+            <a:schemeClr val="accent5">
+              <a:shade val="50000"/>
+            </a:schemeClr>
+          </a:lnRef>
+          <a:fillRef idx="1">
+            <a:schemeClr val="accent5"/>
+          </a:fillRef>
+          <a:effectRef idx="0">
+            <a:schemeClr val="accent5"/>
+          </a:effectRef>
+          <a:fontRef idx="minor">
+            <a:schemeClr val="lt1"/>
+          </a:fontRef>
+        </p:style>
+        <p:txBody>
+          <a:bodyPr rtlCol="0" anchor="ctr"/>
+          <a:lstStyle/>
+          <a:p>
+            <a:pPr algn="ctr"/>
+            <a:endParaRPr lang="zh-TW" altLang="en-US"/>
+          </a:p>
+        </p:txBody>
+      </p:sp>
       <p:sp>
         <p:nvSpPr>
           <p:cNvPr id="2" name="標題 1"/>
@@ -2975,12 +3077,94 @@
             <p:ph type="ctrTitle"/>
           </p:nvPr>
         </p:nvSpPr>
-        <p:spPr/>
-        <p:txBody>
-          <a:bodyPr/>
-          <a:lstStyle/>
-          <a:p>
-            <a:endParaRPr lang="zh-TW" altLang="en-US" dirty="0"/>
+        <p:spPr>
+          <a:xfrm>
+            <a:off x="1523999" y="4980562"/>
+            <a:ext cx="4387175" cy="869325"/>
+          </a:xfrm>
+        </p:spPr>
+        <p:txBody>
+          <a:bodyPr>
+            <a:normAutofit fontScale="90000"/>
+          </a:bodyPr>
+          <a:lstStyle/>
+          <a:p>
+            <a:r>
+              <a:rPr lang="zh-TW" altLang="en-US" sz="3200" dirty="0">
+                <a:solidFill>
+                  <a:schemeClr val="bg1"/>
+                </a:solidFill>
+                <a:latin typeface="標楷體" panose="03000509000000000000" pitchFamily="65" charset="-120"/>
+                <a:ea typeface="標楷體" panose="03000509000000000000" pitchFamily="65" charset="-120"/>
+              </a:rPr>
+              <a:t>國立台北科技</a:t>
+            </a:r>
+            <a:r>
+              <a:rPr lang="zh-TW" altLang="en-US" sz="3200" dirty="0" smtClean="0">
+                <a:solidFill>
+                  <a:schemeClr val="bg1"/>
+                </a:solidFill>
+                <a:latin typeface="標楷體" panose="03000509000000000000" pitchFamily="65" charset="-120"/>
+                <a:ea typeface="標楷體" panose="03000509000000000000" pitchFamily="65" charset="-120"/>
+              </a:rPr>
+              <a:t>大學</a:t>
+            </a:r>
+            <a:r>
+              <a:rPr lang="en-US" altLang="zh-TW" sz="3200" dirty="0" smtClean="0">
+                <a:solidFill>
+                  <a:schemeClr val="bg1"/>
+                </a:solidFill>
+                <a:latin typeface="標楷體" panose="03000509000000000000" pitchFamily="65" charset="-120"/>
+                <a:ea typeface="標楷體" panose="03000509000000000000" pitchFamily="65" charset="-120"/>
+              </a:rPr>
+              <a:t/>
+            </a:r>
+            <a:br>
+              <a:rPr lang="en-US" altLang="zh-TW" sz="3200" dirty="0" smtClean="0">
+                <a:solidFill>
+                  <a:schemeClr val="bg1"/>
+                </a:solidFill>
+                <a:latin typeface="標楷體" panose="03000509000000000000" pitchFamily="65" charset="-120"/>
+                <a:ea typeface="標楷體" panose="03000509000000000000" pitchFamily="65" charset="-120"/>
+              </a:rPr>
+            </a:br>
+            <a:r>
+              <a:rPr lang="zh-TW" altLang="en-US" sz="3200" dirty="0" smtClean="0">
+                <a:solidFill>
+                  <a:schemeClr val="bg1"/>
+                </a:solidFill>
+                <a:latin typeface="標楷體" panose="03000509000000000000" pitchFamily="65" charset="-120"/>
+                <a:ea typeface="標楷體" panose="03000509000000000000" pitchFamily="65" charset="-120"/>
+              </a:rPr>
+              <a:t>國際</a:t>
+            </a:r>
+            <a:r>
+              <a:rPr lang="zh-TW" altLang="en-US" sz="3200" dirty="0">
+                <a:solidFill>
+                  <a:schemeClr val="bg1"/>
+                </a:solidFill>
+                <a:latin typeface="標楷體" panose="03000509000000000000" pitchFamily="65" charset="-120"/>
+                <a:ea typeface="標楷體" panose="03000509000000000000" pitchFamily="65" charset="-120"/>
+              </a:rPr>
+              <a:t>事務</a:t>
+            </a:r>
+            <a:r>
+              <a:rPr lang="zh-TW" altLang="en-US" sz="3200" dirty="0" smtClean="0">
+                <a:solidFill>
+                  <a:schemeClr val="bg1"/>
+                </a:solidFill>
+                <a:latin typeface="標楷體" panose="03000509000000000000" pitchFamily="65" charset="-120"/>
+                <a:ea typeface="標楷體" panose="03000509000000000000" pitchFamily="65" charset="-120"/>
+              </a:rPr>
+              <a:t>處</a:t>
+            </a:r>
+            <a:endParaRPr lang="zh-TW" altLang="en-US" sz="3200" dirty="0">
+              <a:solidFill>
+                <a:schemeClr val="bg1"/>
+              </a:solidFill>
+              <a:latin typeface="標楷體" panose="03000509000000000000" pitchFamily="65" charset="-120"/>
+              <a:ea typeface="標楷體" panose="03000509000000000000" pitchFamily="65" charset="-120"/>
+            </a:endParaRPr>
           </a:p>
         </p:txBody>
       </p:sp>
@@ -2994,12 +3178,163 @@
             <p:ph type="subTitle" idx="1"/>
           </p:nvPr>
         </p:nvSpPr>
-        <p:spPr/>
-        <p:txBody>
-          <a:bodyPr/>
-          <a:lstStyle/>
-          <a:p>
-            <a:endParaRPr lang="zh-TW" altLang="en-US"/>
+        <p:spPr>
+          <a:xfrm>
+            <a:off x="1979577" y="5800489"/>
+            <a:ext cx="3476017" cy="425213"/>
+          </a:xfrm>
+        </p:spPr>
+        <p:txBody>
+          <a:bodyPr>
+            <a:normAutofit/>
+          </a:bodyPr>
+          <a:lstStyle/>
+          <a:p>
+            <a:r>
+              <a:rPr lang="zh-TW" altLang="en-US" sz="2000" dirty="0">
+                <a:solidFill>
+                  <a:schemeClr val="bg1"/>
+                </a:solidFill>
+                <a:latin typeface="標楷體" panose="03000509000000000000" pitchFamily="65" charset="-120"/>
+                <a:ea typeface="標楷體" panose="03000509000000000000" pitchFamily="65" charset="-120"/>
+              </a:rPr>
+              <a:t>前端工程設計與開發</a:t>
+            </a:r>
+            <a:endParaRPr lang="zh-TW" altLang="en-US" sz="2000" dirty="0">
+              <a:solidFill>
+                <a:schemeClr val="bg1"/>
+              </a:solidFill>
+              <a:latin typeface="標楷體" panose="03000509000000000000" pitchFamily="65" charset="-120"/>
+              <a:ea typeface="標楷體" panose="03000509000000000000" pitchFamily="65" charset="-120"/>
+            </a:endParaRPr>
+          </a:p>
+        </p:txBody>
+      </p:sp>
+      <p:sp>
+        <p:nvSpPr>
+          <p:cNvPr id="7" name="標題 1"/>
+          <p:cNvSpPr txBox="1">
+            <a:spLocks/>
+          </p:cNvSpPr>
+          <p:nvPr/>
+        </p:nvSpPr>
+        <p:spPr>
+          <a:xfrm>
+            <a:off x="9575258" y="5745687"/>
+            <a:ext cx="2127117" cy="918723"/>
+          </a:xfrm>
+          <a:prstGeom prst="rect">
+            <a:avLst/>
+          </a:prstGeom>
+        </p:spPr>
+        <p:txBody>
+          <a:bodyPr vert="horz" lIns="91440" tIns="45720" rIns="91440" bIns="45720" rtlCol="0" anchor="b">
+            <a:normAutofit fontScale="52500" lnSpcReduction="20000"/>
+          </a:bodyPr>
+          <a:lstStyle>
+            <a:lvl1pPr algn="ctr" defTabSz="914400" rtl="0" eaLnBrk="1" latinLnBrk="0" hangingPunct="1">
+              <a:lnSpc>
+                <a:spcPct val="90000"/>
+              </a:lnSpc>
+              <a:spcBef>
+                <a:spcPct val="0"/>
+              </a:spcBef>
+              <a:buNone/>
+              <a:defRPr sz="6000" kern="1200">
+                <a:solidFill>
+                  <a:schemeClr val="tx1"/>
+                </a:solidFill>
+                <a:latin typeface="+mj-lt"/>
+                <a:ea typeface="+mj-ea"/>
+                <a:cs typeface="+mj-cs"/>
+              </a:defRPr>
+            </a:lvl1pPr>
+          </a:lstStyle>
+          <a:p>
+            <a:r>
+              <a:rPr lang="zh-CN" altLang="en-US" sz="4700" dirty="0" smtClean="0">
+                <a:solidFill>
+                  <a:schemeClr val="bg1"/>
+                </a:solidFill>
+                <a:latin typeface="標楷體" panose="03000509000000000000" pitchFamily="65" charset="-120"/>
+                <a:ea typeface="標楷體" panose="03000509000000000000" pitchFamily="65" charset="-120"/>
+              </a:rPr>
+              <a:t>四 資 三</a:t>
+            </a:r>
+            <a:endParaRPr lang="en-US" altLang="zh-CN" sz="4700" dirty="0" smtClean="0">
+              <a:solidFill>
+                <a:schemeClr val="bg1"/>
+              </a:solidFill>
+              <a:latin typeface="標楷體" panose="03000509000000000000" pitchFamily="65" charset="-120"/>
+              <a:ea typeface="標楷體" panose="03000509000000000000" pitchFamily="65" charset="-120"/>
+            </a:endParaRPr>
+          </a:p>
+          <a:p>
+            <a:endParaRPr lang="en-US" altLang="zh-CN" sz="3200" dirty="0" smtClean="0">
+              <a:solidFill>
+                <a:schemeClr val="bg1"/>
+              </a:solidFill>
+              <a:latin typeface="標楷體" panose="03000509000000000000" pitchFamily="65" charset="-120"/>
+              <a:ea typeface="標楷體" panose="03000509000000000000" pitchFamily="65" charset="-120"/>
+            </a:endParaRPr>
+          </a:p>
+          <a:p>
+            <a:r>
+              <a:rPr lang="en-US" altLang="zh-CN" sz="3200" dirty="0" smtClean="0">
+                <a:solidFill>
+                  <a:schemeClr val="bg1"/>
+                </a:solidFill>
+                <a:latin typeface="標楷體" panose="03000509000000000000" pitchFamily="65" charset="-120"/>
+                <a:ea typeface="標楷體" panose="03000509000000000000" pitchFamily="65" charset="-120"/>
+              </a:rPr>
+              <a:t>103590050 </a:t>
+            </a:r>
+            <a:r>
+              <a:rPr lang="zh-CN" altLang="en-US" sz="3200" dirty="0" smtClean="0">
+                <a:solidFill>
+                  <a:schemeClr val="bg1"/>
+                </a:solidFill>
+                <a:latin typeface="標楷體" panose="03000509000000000000" pitchFamily="65" charset="-120"/>
+                <a:ea typeface="標楷體" panose="03000509000000000000" pitchFamily="65" charset="-120"/>
+              </a:rPr>
+              <a:t>徐俊振</a:t>
+            </a:r>
+            <a:endParaRPr lang="zh-TW" altLang="en-US" sz="3200" dirty="0">
+              <a:solidFill>
+                <a:schemeClr val="bg1"/>
+              </a:solidFill>
+              <a:latin typeface="標楷體" panose="03000509000000000000" pitchFamily="65" charset="-120"/>
+              <a:ea typeface="標楷體" panose="03000509000000000000" pitchFamily="65" charset="-120"/>
+            </a:endParaRPr>
+          </a:p>
+          <a:p>
+            <a:r>
+              <a:rPr lang="en-US" altLang="zh-CN" sz="3200" dirty="0" smtClean="0">
+                <a:solidFill>
+                  <a:schemeClr val="bg1"/>
+                </a:solidFill>
+                <a:latin typeface="標楷體" panose="03000509000000000000" pitchFamily="65" charset="-120"/>
+                <a:ea typeface="標楷體" panose="03000509000000000000" pitchFamily="65" charset="-120"/>
+              </a:rPr>
+              <a:t>103590054 </a:t>
+            </a:r>
+            <a:r>
+              <a:rPr lang="zh-CN" altLang="en-US" sz="3200" dirty="0" smtClean="0">
+                <a:solidFill>
+                  <a:schemeClr val="bg1"/>
+                </a:solidFill>
+                <a:latin typeface="標楷體" panose="03000509000000000000" pitchFamily="65" charset="-120"/>
+                <a:ea typeface="標楷體" panose="03000509000000000000" pitchFamily="65" charset="-120"/>
+              </a:rPr>
+              <a:t>黃子洋</a:t>
+            </a:r>
+            <a:endParaRPr lang="en-US" altLang="zh-CN" sz="3200" dirty="0" smtClean="0">
+              <a:solidFill>
+                <a:schemeClr val="bg1"/>
+              </a:solidFill>
+              <a:latin typeface="標楷體" panose="03000509000000000000" pitchFamily="65" charset="-120"/>
+              <a:ea typeface="標楷體" panose="03000509000000000000" pitchFamily="65" charset="-120"/>
+            </a:endParaRPr>
           </a:p>
         </p:txBody>
       </p:sp>
@@ -3013,6 +3348,13 @@
   <p:clrMapOvr>
     <a:masterClrMapping/>
   </p:clrMapOvr>
+  <p:timing>
+    <p:tnLst>
+      <p:par>
+        <p:cTn id="1" dur="indefinite" restart="never" nodeType="tmRoot"/>
+      </p:par>
+    </p:tnLst>
+  </p:timing>
 </p:sld>
 </file>
 
@@ -3137,6 +3479,397 @@
   <p:clrMapOvr>
     <a:masterClrMapping/>
   </p:clrMapOvr>
+  <p:timing>
+    <p:tnLst>
+      <p:par>
+        <p:cTn id="1" dur="indefinite" restart="never" nodeType="tmRoot"/>
+      </p:par>
+    </p:tnLst>
+  </p:timing>
+</p:sld>
+</file>
+
+<file path=ppt/slides/slide3.xml><?xml version="1.0" encoding="utf-8"?>
+<p:sld xmlns:a="http://schemas.openxmlformats.org/drawingml/2006/main" xmlns:r="http://schemas.openxmlformats.org/officeDocument/2006/relationships" xmlns:p="http://schemas.openxmlformats.org/presentationml/2006/main">
+  <p:cSld>
+    <p:spTree>
+      <p:nvGrpSpPr>
+        <p:cNvPr id="1" name=""/>
+        <p:cNvGrpSpPr/>
+        <p:nvPr/>
+      </p:nvGrpSpPr>
+      <p:grpSpPr>
+        <a:xfrm>
+          <a:off x="0" y="0"/>
+          <a:ext cx="0" cy="0"/>
+          <a:chOff x="0" y="0"/>
+          <a:chExt cx="0" cy="0"/>
+        </a:xfrm>
+      </p:grpSpPr>
+      <p:sp>
+        <p:nvSpPr>
+          <p:cNvPr id="4" name="矩形 3"/>
+          <p:cNvSpPr/>
+          <p:nvPr/>
+        </p:nvSpPr>
+        <p:spPr>
+          <a:xfrm>
+            <a:off x="5542002" y="3244334"/>
+            <a:ext cx="1107996" cy="369332"/>
+          </a:xfrm>
+          <a:prstGeom prst="rect">
+            <a:avLst/>
+          </a:prstGeom>
+        </p:spPr>
+        <p:txBody>
+          <a:bodyPr wrap="none">
+            <a:spAutoFit/>
+          </a:bodyPr>
+          <a:lstStyle/>
+          <a:p>
+            <a:r>
+              <a:rPr lang="zh-CN" altLang="en-US" dirty="0"/>
+              <a:t>網站架構</a:t>
+            </a:r>
+            <a:endParaRPr lang="en-US" altLang="zh-CN" dirty="0"/>
+          </a:p>
+        </p:txBody>
+      </p:sp>
+      <p:pic>
+        <p:nvPicPr>
+          <p:cNvPr id="5" name="圖片 4"/>
+          <p:cNvPicPr>
+            <a:picLocks noChangeAspect="1"/>
+          </p:cNvPicPr>
+          <p:nvPr/>
+        </p:nvPicPr>
+        <p:blipFill>
+          <a:blip r:embed="rId2" cstate="print">
+            <a:extLst>
+              <a:ext uri="{28A0092B-C50C-407E-A947-70E740481C1C}">
+                <a14:useLocalDpi xmlns:a14="http://schemas.microsoft.com/office/drawing/2010/main" val="0"/>
+              </a:ext>
+            </a:extLst>
+          </a:blip>
+          <a:stretch>
+            <a:fillRect/>
+          </a:stretch>
+        </p:blipFill>
+        <p:spPr>
+          <a:xfrm>
+            <a:off x="1069428" y="0"/>
+            <a:ext cx="4138727" cy="6858000"/>
+          </a:xfrm>
+          <a:prstGeom prst="rect">
+            <a:avLst/>
+          </a:prstGeom>
+        </p:spPr>
+      </p:pic>
+    </p:spTree>
+    <p:extLst>
+      <p:ext uri="{BB962C8B-B14F-4D97-AF65-F5344CB8AC3E}">
+        <p14:creationId xmlns:p14="http://schemas.microsoft.com/office/powerpoint/2010/main" val="4091174853"/>
+      </p:ext>
+    </p:extLst>
+  </p:cSld>
+  <p:clrMapOvr>
+    <a:masterClrMapping/>
+  </p:clrMapOvr>
+  <p:timing>
+    <p:tnLst>
+      <p:par>
+        <p:cTn id="1" dur="indefinite" restart="never" nodeType="tmRoot"/>
+      </p:par>
+    </p:tnLst>
+  </p:timing>
+</p:sld>
+</file>
+
+<file path=ppt/slides/slide4.xml><?xml version="1.0" encoding="utf-8"?>
+<p:sld xmlns:a="http://schemas.openxmlformats.org/drawingml/2006/main" xmlns:r="http://schemas.openxmlformats.org/officeDocument/2006/relationships" xmlns:p="http://schemas.openxmlformats.org/presentationml/2006/main">
+  <p:cSld>
+    <p:spTree>
+      <p:nvGrpSpPr>
+        <p:cNvPr id="1" name=""/>
+        <p:cNvGrpSpPr/>
+        <p:nvPr/>
+      </p:nvGrpSpPr>
+      <p:grpSpPr>
+        <a:xfrm>
+          <a:off x="0" y="0"/>
+          <a:ext cx="0" cy="0"/>
+          <a:chOff x="0" y="0"/>
+          <a:chExt cx="0" cy="0"/>
+        </a:xfrm>
+      </p:grpSpPr>
+      <p:sp>
+        <p:nvSpPr>
+          <p:cNvPr id="4" name="矩形 3"/>
+          <p:cNvSpPr/>
+          <p:nvPr/>
+        </p:nvSpPr>
+        <p:spPr>
+          <a:xfrm>
+            <a:off x="5542002" y="3244334"/>
+            <a:ext cx="1107996" cy="369332"/>
+          </a:xfrm>
+          <a:prstGeom prst="rect">
+            <a:avLst/>
+          </a:prstGeom>
+        </p:spPr>
+        <p:txBody>
+          <a:bodyPr wrap="none">
+            <a:spAutoFit/>
+          </a:bodyPr>
+          <a:lstStyle/>
+          <a:p>
+            <a:r>
+              <a:rPr lang="zh-CN" altLang="en-US" dirty="0"/>
+              <a:t>網站架構</a:t>
+            </a:r>
+            <a:endParaRPr lang="en-US" altLang="zh-CN" dirty="0"/>
+          </a:p>
+        </p:txBody>
+      </p:sp>
+      <p:pic>
+        <p:nvPicPr>
+          <p:cNvPr id="5" name="圖片 4"/>
+          <p:cNvPicPr>
+            <a:picLocks noChangeAspect="1"/>
+          </p:cNvPicPr>
+          <p:nvPr/>
+        </p:nvPicPr>
+        <p:blipFill>
+          <a:blip r:embed="rId2" cstate="print">
+            <a:extLst>
+              <a:ext uri="{28A0092B-C50C-407E-A947-70E740481C1C}">
+                <a14:useLocalDpi xmlns:a14="http://schemas.microsoft.com/office/drawing/2010/main" val="0"/>
+              </a:ext>
+            </a:extLst>
+          </a:blip>
+          <a:stretch>
+            <a:fillRect/>
+          </a:stretch>
+        </p:blipFill>
+        <p:spPr>
+          <a:xfrm>
+            <a:off x="1069428" y="0"/>
+            <a:ext cx="4138727" cy="6858000"/>
+          </a:xfrm>
+          <a:prstGeom prst="rect">
+            <a:avLst/>
+          </a:prstGeom>
+        </p:spPr>
+      </p:pic>
+    </p:spTree>
+    <p:extLst>
+      <p:ext uri="{BB962C8B-B14F-4D97-AF65-F5344CB8AC3E}">
+        <p14:creationId xmlns:p14="http://schemas.microsoft.com/office/powerpoint/2010/main" val="3089327919"/>
+      </p:ext>
+    </p:extLst>
+  </p:cSld>
+  <p:clrMapOvr>
+    <a:masterClrMapping/>
+  </p:clrMapOvr>
+  <p:timing>
+    <p:tnLst>
+      <p:par>
+        <p:cTn id="1" dur="indefinite" restart="never" nodeType="tmRoot"/>
+      </p:par>
+    </p:tnLst>
+  </p:timing>
+</p:sld>
+</file>
+
+<file path=ppt/slides/slide5.xml><?xml version="1.0" encoding="utf-8"?>
+<p:sld xmlns:a="http://schemas.openxmlformats.org/drawingml/2006/main" xmlns:r="http://schemas.openxmlformats.org/officeDocument/2006/relationships" xmlns:p="http://schemas.openxmlformats.org/presentationml/2006/main">
+  <p:cSld>
+    <p:spTree>
+      <p:nvGrpSpPr>
+        <p:cNvPr id="1" name=""/>
+        <p:cNvGrpSpPr/>
+        <p:nvPr/>
+      </p:nvGrpSpPr>
+      <p:grpSpPr>
+        <a:xfrm>
+          <a:off x="0" y="0"/>
+          <a:ext cx="0" cy="0"/>
+          <a:chOff x="0" y="0"/>
+          <a:chExt cx="0" cy="0"/>
+        </a:xfrm>
+      </p:grpSpPr>
+      <p:sp>
+        <p:nvSpPr>
+          <p:cNvPr id="4" name="矩形 3"/>
+          <p:cNvSpPr/>
+          <p:nvPr/>
+        </p:nvSpPr>
+        <p:spPr>
+          <a:xfrm>
+            <a:off x="5542002" y="3244334"/>
+            <a:ext cx="1107996" cy="369332"/>
+          </a:xfrm>
+          <a:prstGeom prst="rect">
+            <a:avLst/>
+          </a:prstGeom>
+        </p:spPr>
+        <p:txBody>
+          <a:bodyPr wrap="none">
+            <a:spAutoFit/>
+          </a:bodyPr>
+          <a:lstStyle/>
+          <a:p>
+            <a:r>
+              <a:rPr lang="zh-CN" altLang="en-US" dirty="0"/>
+              <a:t>網站架構</a:t>
+            </a:r>
+            <a:endParaRPr lang="en-US" altLang="zh-CN" dirty="0"/>
+          </a:p>
+        </p:txBody>
+      </p:sp>
+      <p:pic>
+        <p:nvPicPr>
+          <p:cNvPr id="5" name="圖片 4"/>
+          <p:cNvPicPr>
+            <a:picLocks noChangeAspect="1"/>
+          </p:cNvPicPr>
+          <p:nvPr/>
+        </p:nvPicPr>
+        <p:blipFill>
+          <a:blip r:embed="rId2" cstate="print">
+            <a:extLst>
+              <a:ext uri="{28A0092B-C50C-407E-A947-70E740481C1C}">
+                <a14:useLocalDpi xmlns:a14="http://schemas.microsoft.com/office/drawing/2010/main" val="0"/>
+              </a:ext>
+            </a:extLst>
+          </a:blip>
+          <a:stretch>
+            <a:fillRect/>
+          </a:stretch>
+        </p:blipFill>
+        <p:spPr>
+          <a:xfrm>
+            <a:off x="1069428" y="0"/>
+            <a:ext cx="4138727" cy="6858000"/>
+          </a:xfrm>
+          <a:prstGeom prst="rect">
+            <a:avLst/>
+          </a:prstGeom>
+        </p:spPr>
+      </p:pic>
+    </p:spTree>
+    <p:extLst>
+      <p:ext uri="{BB962C8B-B14F-4D97-AF65-F5344CB8AC3E}">
+        <p14:creationId xmlns:p14="http://schemas.microsoft.com/office/powerpoint/2010/main" val="2124998928"/>
+      </p:ext>
+    </p:extLst>
+  </p:cSld>
+  <p:clrMapOvr>
+    <a:masterClrMapping/>
+  </p:clrMapOvr>
+  <p:timing>
+    <p:tnLst>
+      <p:par>
+        <p:cTn id="1" dur="indefinite" restart="never" nodeType="tmRoot"/>
+      </p:par>
+    </p:tnLst>
+  </p:timing>
+</p:sld>
+</file>
+
+<file path=ppt/slides/slide6.xml><?xml version="1.0" encoding="utf-8"?>
+<p:sld xmlns:a="http://schemas.openxmlformats.org/drawingml/2006/main" xmlns:r="http://schemas.openxmlformats.org/officeDocument/2006/relationships" xmlns:p="http://schemas.openxmlformats.org/presentationml/2006/main">
+  <p:cSld>
+    <p:spTree>
+      <p:nvGrpSpPr>
+        <p:cNvPr id="1" name=""/>
+        <p:cNvGrpSpPr/>
+        <p:nvPr/>
+      </p:nvGrpSpPr>
+      <p:grpSpPr>
+        <a:xfrm>
+          <a:off x="0" y="0"/>
+          <a:ext cx="0" cy="0"/>
+          <a:chOff x="0" y="0"/>
+          <a:chExt cx="0" cy="0"/>
+        </a:xfrm>
+      </p:grpSpPr>
+      <p:sp>
+        <p:nvSpPr>
+          <p:cNvPr id="4" name="矩形 3"/>
+          <p:cNvSpPr/>
+          <p:nvPr/>
+        </p:nvSpPr>
+        <p:spPr>
+          <a:xfrm>
+            <a:off x="5542002" y="3244334"/>
+            <a:ext cx="1107996" cy="369332"/>
+          </a:xfrm>
+          <a:prstGeom prst="rect">
+            <a:avLst/>
+          </a:prstGeom>
+        </p:spPr>
+        <p:txBody>
+          <a:bodyPr wrap="none">
+            <a:spAutoFit/>
+          </a:bodyPr>
+          <a:lstStyle/>
+          <a:p>
+            <a:r>
+              <a:rPr lang="zh-CN" altLang="en-US" dirty="0"/>
+              <a:t>網站架構</a:t>
+            </a:r>
+            <a:endParaRPr lang="en-US" altLang="zh-CN" dirty="0"/>
+          </a:p>
+        </p:txBody>
+      </p:sp>
+      <p:pic>
+        <p:nvPicPr>
+          <p:cNvPr id="5" name="圖片 4"/>
+          <p:cNvPicPr>
+            <a:picLocks noChangeAspect="1"/>
+          </p:cNvPicPr>
+          <p:nvPr/>
+        </p:nvPicPr>
+        <p:blipFill>
+          <a:blip r:embed="rId2" cstate="print">
+            <a:extLst>
+              <a:ext uri="{28A0092B-C50C-407E-A947-70E740481C1C}">
+                <a14:useLocalDpi xmlns:a14="http://schemas.microsoft.com/office/drawing/2010/main" val="0"/>
+              </a:ext>
+            </a:extLst>
+          </a:blip>
+          <a:stretch>
+            <a:fillRect/>
+          </a:stretch>
+        </p:blipFill>
+        <p:spPr>
+          <a:xfrm>
+            <a:off x="1069428" y="0"/>
+            <a:ext cx="4138727" cy="6858000"/>
+          </a:xfrm>
+          <a:prstGeom prst="rect">
+            <a:avLst/>
+          </a:prstGeom>
+        </p:spPr>
+      </p:pic>
+    </p:spTree>
+    <p:extLst>
+      <p:ext uri="{BB962C8B-B14F-4D97-AF65-F5344CB8AC3E}">
+        <p14:creationId xmlns:p14="http://schemas.microsoft.com/office/powerpoint/2010/main" val="1653036382"/>
+      </p:ext>
+    </p:extLst>
+  </p:cSld>
+  <p:clrMapOvr>
+    <a:masterClrMapping/>
+  </p:clrMapOvr>
+  <p:timing>
+    <p:tnLst>
+      <p:par>
+        <p:cTn id="1" dur="indefinite" restart="never" nodeType="tmRoot"/>
+      </p:par>
+    </p:tnLst>
+  </p:timing>
 </p:sld>
 </file>
 
